--- a/simul/code flow simul data.pptx
+++ b/simul/code flow simul data.pptx
@@ -259,7 +259,7 @@
           <a:p>
             <a:fld id="{294BBAB1-08FA-4174-8EA6-5823210D9EE7}" type="datetimeFigureOut">
               <a:rPr lang="en-US" smtClean="0"/>
-              <a:t>12/1/2021</a:t>
+              <a:t>12/3/2021</a:t>
             </a:fld>
             <a:endParaRPr lang="en-US"/>
           </a:p>
@@ -457,7 +457,7 @@
           <a:p>
             <a:fld id="{294BBAB1-08FA-4174-8EA6-5823210D9EE7}" type="datetimeFigureOut">
               <a:rPr lang="en-US" smtClean="0"/>
-              <a:t>12/1/2021</a:t>
+              <a:t>12/3/2021</a:t>
             </a:fld>
             <a:endParaRPr lang="en-US"/>
           </a:p>
@@ -665,7 +665,7 @@
           <a:p>
             <a:fld id="{294BBAB1-08FA-4174-8EA6-5823210D9EE7}" type="datetimeFigureOut">
               <a:rPr lang="en-US" smtClean="0"/>
-              <a:t>12/1/2021</a:t>
+              <a:t>12/3/2021</a:t>
             </a:fld>
             <a:endParaRPr lang="en-US"/>
           </a:p>
@@ -863,7 +863,7 @@
           <a:p>
             <a:fld id="{294BBAB1-08FA-4174-8EA6-5823210D9EE7}" type="datetimeFigureOut">
               <a:rPr lang="en-US" smtClean="0"/>
-              <a:t>12/1/2021</a:t>
+              <a:t>12/3/2021</a:t>
             </a:fld>
             <a:endParaRPr lang="en-US"/>
           </a:p>
@@ -1138,7 +1138,7 @@
           <a:p>
             <a:fld id="{294BBAB1-08FA-4174-8EA6-5823210D9EE7}" type="datetimeFigureOut">
               <a:rPr lang="en-US" smtClean="0"/>
-              <a:t>12/1/2021</a:t>
+              <a:t>12/3/2021</a:t>
             </a:fld>
             <a:endParaRPr lang="en-US"/>
           </a:p>
@@ -1403,7 +1403,7 @@
           <a:p>
             <a:fld id="{294BBAB1-08FA-4174-8EA6-5823210D9EE7}" type="datetimeFigureOut">
               <a:rPr lang="en-US" smtClean="0"/>
-              <a:t>12/1/2021</a:t>
+              <a:t>12/3/2021</a:t>
             </a:fld>
             <a:endParaRPr lang="en-US"/>
           </a:p>
@@ -1815,7 +1815,7 @@
           <a:p>
             <a:fld id="{294BBAB1-08FA-4174-8EA6-5823210D9EE7}" type="datetimeFigureOut">
               <a:rPr lang="en-US" smtClean="0"/>
-              <a:t>12/1/2021</a:t>
+              <a:t>12/3/2021</a:t>
             </a:fld>
             <a:endParaRPr lang="en-US"/>
           </a:p>
@@ -1956,7 +1956,7 @@
           <a:p>
             <a:fld id="{294BBAB1-08FA-4174-8EA6-5823210D9EE7}" type="datetimeFigureOut">
               <a:rPr lang="en-US" smtClean="0"/>
-              <a:t>12/1/2021</a:t>
+              <a:t>12/3/2021</a:t>
             </a:fld>
             <a:endParaRPr lang="en-US"/>
           </a:p>
@@ -2069,7 +2069,7 @@
           <a:p>
             <a:fld id="{294BBAB1-08FA-4174-8EA6-5823210D9EE7}" type="datetimeFigureOut">
               <a:rPr lang="en-US" smtClean="0"/>
-              <a:t>12/1/2021</a:t>
+              <a:t>12/3/2021</a:t>
             </a:fld>
             <a:endParaRPr lang="en-US"/>
           </a:p>
@@ -2380,7 +2380,7 @@
           <a:p>
             <a:fld id="{294BBAB1-08FA-4174-8EA6-5823210D9EE7}" type="datetimeFigureOut">
               <a:rPr lang="en-US" smtClean="0"/>
-              <a:t>12/1/2021</a:t>
+              <a:t>12/3/2021</a:t>
             </a:fld>
             <a:endParaRPr lang="en-US"/>
           </a:p>
@@ -2668,7 +2668,7 @@
           <a:p>
             <a:fld id="{294BBAB1-08FA-4174-8EA6-5823210D9EE7}" type="datetimeFigureOut">
               <a:rPr lang="en-US" smtClean="0"/>
-              <a:t>12/1/2021</a:t>
+              <a:t>12/3/2021</a:t>
             </a:fld>
             <a:endParaRPr lang="en-US"/>
           </a:p>
@@ -2909,7 +2909,7 @@
           <a:p>
             <a:fld id="{294BBAB1-08FA-4174-8EA6-5823210D9EE7}" type="datetimeFigureOut">
               <a:rPr lang="en-US" smtClean="0"/>
-              <a:t>12/1/2021</a:t>
+              <a:t>12/3/2021</a:t>
             </a:fld>
             <a:endParaRPr lang="en-US"/>
           </a:p>
@@ -3768,7 +3768,7 @@
         </p:nvSpPr>
         <p:spPr>
           <a:xfrm>
-            <a:off x="-784601" y="2528673"/>
+            <a:off x="301973" y="2830150"/>
             <a:ext cx="727803" cy="369332"/>
           </a:xfrm>
           <a:prstGeom prst="rect">
@@ -3811,7 +3811,7 @@
         </p:nvSpPr>
         <p:spPr>
           <a:xfrm>
-            <a:off x="-994914" y="3083409"/>
+            <a:off x="91660" y="3384886"/>
             <a:ext cx="901540" cy="369332"/>
           </a:xfrm>
           <a:prstGeom prst="rect">
@@ -3854,7 +3854,7 @@
         </p:nvSpPr>
         <p:spPr>
           <a:xfrm>
-            <a:off x="190088" y="3063649"/>
+            <a:off x="1276662" y="3365126"/>
             <a:ext cx="1739735" cy="369332"/>
           </a:xfrm>
           <a:prstGeom prst="rect">
@@ -3898,7 +3898,7 @@
         </p:nvCxnSpPr>
         <p:spPr>
           <a:xfrm flipV="1">
-            <a:off x="-93374" y="3248315"/>
+            <a:off x="993200" y="3549792"/>
             <a:ext cx="283462" cy="19760"/>
           </a:xfrm>
           <a:prstGeom prst="straightConnector1">
@@ -3941,7 +3941,7 @@
         </p:nvCxnSpPr>
         <p:spPr>
           <a:xfrm>
-            <a:off x="-56798" y="2713339"/>
+            <a:off x="1029776" y="3014816"/>
             <a:ext cx="457197" cy="5598"/>
           </a:xfrm>
           <a:prstGeom prst="straightConnector1">
@@ -4071,7 +4071,7 @@
         <p:spPr>
           <a:xfrm flipH="1" flipV="1">
             <a:off x="1027325" y="1414077"/>
-            <a:ext cx="128644" cy="1120194"/>
+            <a:ext cx="1215218" cy="1421671"/>
           </a:xfrm>
           <a:prstGeom prst="straightConnector1">
             <a:avLst/>
@@ -4114,7 +4114,7 @@
         <p:spPr>
           <a:xfrm flipH="1" flipV="1">
             <a:off x="1027325" y="1414077"/>
-            <a:ext cx="32631" cy="1649572"/>
+            <a:ext cx="1119205" cy="1951049"/>
           </a:xfrm>
           <a:prstGeom prst="straightConnector1">
             <a:avLst/>
@@ -4156,8 +4156,8 @@
         </p:nvCxnSpPr>
         <p:spPr>
           <a:xfrm>
-            <a:off x="1929823" y="3248315"/>
-            <a:ext cx="1501185" cy="1237947"/>
+            <a:off x="3016397" y="3549792"/>
+            <a:ext cx="414611" cy="936470"/>
           </a:xfrm>
           <a:prstGeom prst="straightConnector1">
             <a:avLst/>
@@ -4513,8 +4513,8 @@
         </p:nvCxnSpPr>
         <p:spPr>
           <a:xfrm flipV="1">
-            <a:off x="1929823" y="2999472"/>
-            <a:ext cx="6074976" cy="248843"/>
+            <a:off x="3016397" y="2999472"/>
+            <a:ext cx="4988402" cy="550320"/>
           </a:xfrm>
           <a:prstGeom prst="straightConnector1">
             <a:avLst/>
@@ -4698,8 +4698,8 @@
         </p:nvCxnSpPr>
         <p:spPr>
           <a:xfrm flipV="1">
-            <a:off x="1929823" y="683202"/>
-            <a:ext cx="6445492" cy="2565113"/>
+            <a:off x="3016397" y="683202"/>
+            <a:ext cx="5358918" cy="2866590"/>
           </a:xfrm>
           <a:prstGeom prst="straightConnector1">
             <a:avLst/>
@@ -4952,7 +4952,7 @@
         </p:nvSpPr>
         <p:spPr>
           <a:xfrm>
-            <a:off x="400399" y="2534271"/>
+            <a:off x="1486973" y="2835748"/>
             <a:ext cx="1511139" cy="369332"/>
           </a:xfrm>
           <a:prstGeom prst="rect">

--- a/simul/code flow simul data.pptx
+++ b/simul/code flow simul data.pptx
@@ -259,7 +259,7 @@
           <a:p>
             <a:fld id="{294BBAB1-08FA-4174-8EA6-5823210D9EE7}" type="datetimeFigureOut">
               <a:rPr lang="en-US" smtClean="0"/>
-              <a:t>12/3/2021</a:t>
+              <a:t>12/8/2021</a:t>
             </a:fld>
             <a:endParaRPr lang="en-US"/>
           </a:p>
@@ -457,7 +457,7 @@
           <a:p>
             <a:fld id="{294BBAB1-08FA-4174-8EA6-5823210D9EE7}" type="datetimeFigureOut">
               <a:rPr lang="en-US" smtClean="0"/>
-              <a:t>12/3/2021</a:t>
+              <a:t>12/8/2021</a:t>
             </a:fld>
             <a:endParaRPr lang="en-US"/>
           </a:p>
@@ -665,7 +665,7 @@
           <a:p>
             <a:fld id="{294BBAB1-08FA-4174-8EA6-5823210D9EE7}" type="datetimeFigureOut">
               <a:rPr lang="en-US" smtClean="0"/>
-              <a:t>12/3/2021</a:t>
+              <a:t>12/8/2021</a:t>
             </a:fld>
             <a:endParaRPr lang="en-US"/>
           </a:p>
@@ -863,7 +863,7 @@
           <a:p>
             <a:fld id="{294BBAB1-08FA-4174-8EA6-5823210D9EE7}" type="datetimeFigureOut">
               <a:rPr lang="en-US" smtClean="0"/>
-              <a:t>12/3/2021</a:t>
+              <a:t>12/8/2021</a:t>
             </a:fld>
             <a:endParaRPr lang="en-US"/>
           </a:p>
@@ -1138,7 +1138,7 @@
           <a:p>
             <a:fld id="{294BBAB1-08FA-4174-8EA6-5823210D9EE7}" type="datetimeFigureOut">
               <a:rPr lang="en-US" smtClean="0"/>
-              <a:t>12/3/2021</a:t>
+              <a:t>12/8/2021</a:t>
             </a:fld>
             <a:endParaRPr lang="en-US"/>
           </a:p>
@@ -1403,7 +1403,7 @@
           <a:p>
             <a:fld id="{294BBAB1-08FA-4174-8EA6-5823210D9EE7}" type="datetimeFigureOut">
               <a:rPr lang="en-US" smtClean="0"/>
-              <a:t>12/3/2021</a:t>
+              <a:t>12/8/2021</a:t>
             </a:fld>
             <a:endParaRPr lang="en-US"/>
           </a:p>
@@ -1815,7 +1815,7 @@
           <a:p>
             <a:fld id="{294BBAB1-08FA-4174-8EA6-5823210D9EE7}" type="datetimeFigureOut">
               <a:rPr lang="en-US" smtClean="0"/>
-              <a:t>12/3/2021</a:t>
+              <a:t>12/8/2021</a:t>
             </a:fld>
             <a:endParaRPr lang="en-US"/>
           </a:p>
@@ -1956,7 +1956,7 @@
           <a:p>
             <a:fld id="{294BBAB1-08FA-4174-8EA6-5823210D9EE7}" type="datetimeFigureOut">
               <a:rPr lang="en-US" smtClean="0"/>
-              <a:t>12/3/2021</a:t>
+              <a:t>12/8/2021</a:t>
             </a:fld>
             <a:endParaRPr lang="en-US"/>
           </a:p>
@@ -2069,7 +2069,7 @@
           <a:p>
             <a:fld id="{294BBAB1-08FA-4174-8EA6-5823210D9EE7}" type="datetimeFigureOut">
               <a:rPr lang="en-US" smtClean="0"/>
-              <a:t>12/3/2021</a:t>
+              <a:t>12/8/2021</a:t>
             </a:fld>
             <a:endParaRPr lang="en-US"/>
           </a:p>
@@ -2380,7 +2380,7 @@
           <a:p>
             <a:fld id="{294BBAB1-08FA-4174-8EA6-5823210D9EE7}" type="datetimeFigureOut">
               <a:rPr lang="en-US" smtClean="0"/>
-              <a:t>12/3/2021</a:t>
+              <a:t>12/8/2021</a:t>
             </a:fld>
             <a:endParaRPr lang="en-US"/>
           </a:p>
@@ -2668,7 +2668,7 @@
           <a:p>
             <a:fld id="{294BBAB1-08FA-4174-8EA6-5823210D9EE7}" type="datetimeFigureOut">
               <a:rPr lang="en-US" smtClean="0"/>
-              <a:t>12/3/2021</a:t>
+              <a:t>12/8/2021</a:t>
             </a:fld>
             <a:endParaRPr lang="en-US"/>
           </a:p>
@@ -2909,7 +2909,7 @@
           <a:p>
             <a:fld id="{294BBAB1-08FA-4174-8EA6-5823210D9EE7}" type="datetimeFigureOut">
               <a:rPr lang="en-US" smtClean="0"/>
-              <a:t>12/3/2021</a:t>
+              <a:t>12/8/2021</a:t>
             </a:fld>
             <a:endParaRPr lang="en-US"/>
           </a:p>
@@ -3375,46 +3375,6 @@
       </p:sp>
       <p:sp>
         <p:nvSpPr>
-          <p:cNvPr id="6" name="TextBox 5">
-            <a:extLst>
-              <a:ext uri="{FF2B5EF4-FFF2-40B4-BE49-F238E27FC236}">
-                <a16:creationId xmlns:a16="http://schemas.microsoft.com/office/drawing/2014/main" id="{07F3D322-E0D0-4F0E-973A-E21CEB87F1C5}"/>
-              </a:ext>
-            </a:extLst>
-          </p:cNvPr>
-          <p:cNvSpPr txBox="1"/>
-          <p:nvPr/>
-        </p:nvSpPr>
-        <p:spPr>
-          <a:xfrm>
-            <a:off x="6034667" y="313870"/>
-            <a:ext cx="1970131" cy="369332"/>
-          </a:xfrm>
-          <a:prstGeom prst="rect">
-            <a:avLst/>
-          </a:prstGeom>
-          <a:noFill/>
-          <a:ln>
-            <a:solidFill>
-              <a:srgbClr val="FFC000"/>
-            </a:solidFill>
-          </a:ln>
-        </p:spPr>
-        <p:txBody>
-          <a:bodyPr wrap="square" rtlCol="0">
-            <a:spAutoFit/>
-          </a:bodyPr>
-          <a:lstStyle/>
-          <a:p>
-            <a:r>
-              <a:rPr lang="en-US" dirty="0"/>
-              <a:t>results\thetaX.csv</a:t>
-            </a:r>
-          </a:p>
-        </p:txBody>
-      </p:sp>
-      <p:sp>
-        <p:nvSpPr>
           <p:cNvPr id="9" name="TextBox 8">
             <a:extLst>
               <a:ext uri="{FF2B5EF4-FFF2-40B4-BE49-F238E27FC236}">
@@ -3595,9 +3555,9 @@
           <p:nvPr/>
         </p:nvCxnSpPr>
         <p:spPr>
-          <a:xfrm flipV="1">
-            <a:off x="5664150" y="498536"/>
-            <a:ext cx="370517" cy="388657"/>
+          <a:xfrm>
+            <a:off x="5664150" y="887193"/>
+            <a:ext cx="237918" cy="1294299"/>
           </a:xfrm>
           <a:prstGeom prst="straightConnector1">
             <a:avLst/>
@@ -3638,9 +3598,9 @@
           <p:nvPr/>
         </p:nvCxnSpPr>
         <p:spPr>
-          <a:xfrm>
-            <a:off x="5664150" y="887193"/>
-            <a:ext cx="370518" cy="179020"/>
+          <a:xfrm flipV="1">
+            <a:off x="5664150" y="873337"/>
+            <a:ext cx="292132" cy="13856"/>
           </a:xfrm>
           <a:prstGeom prst="straightConnector1">
             <a:avLst/>
@@ -3681,9 +3641,9 @@
           <p:nvPr/>
         </p:nvCxnSpPr>
         <p:spPr>
-          <a:xfrm>
-            <a:off x="5664150" y="887193"/>
-            <a:ext cx="370518" cy="746697"/>
+          <a:xfrm flipV="1">
+            <a:off x="5664150" y="222296"/>
+            <a:ext cx="292132" cy="664897"/>
           </a:xfrm>
           <a:prstGeom prst="straightConnector1">
             <a:avLst/>
@@ -3768,7 +3728,7 @@
         </p:nvSpPr>
         <p:spPr>
           <a:xfrm>
-            <a:off x="301973" y="2830150"/>
+            <a:off x="249822" y="4161444"/>
             <a:ext cx="727803" cy="369332"/>
           </a:xfrm>
           <a:prstGeom prst="rect">
@@ -3837,46 +3797,6 @@
               <a:t>theta.R</a:t>
             </a:r>
             <a:endParaRPr lang="en-US" dirty="0"/>
-          </a:p>
-        </p:txBody>
-      </p:sp>
-      <p:sp>
-        <p:nvSpPr>
-          <p:cNvPr id="25" name="TextBox 24">
-            <a:extLst>
-              <a:ext uri="{FF2B5EF4-FFF2-40B4-BE49-F238E27FC236}">
-                <a16:creationId xmlns:a16="http://schemas.microsoft.com/office/drawing/2014/main" id="{572BA8B8-10A0-4D13-9E24-F6020C5C0C24}"/>
-              </a:ext>
-            </a:extLst>
-          </p:cNvPr>
-          <p:cNvSpPr txBox="1"/>
-          <p:nvPr/>
-        </p:nvSpPr>
-        <p:spPr>
-          <a:xfrm>
-            <a:off x="1276662" y="3365126"/>
-            <a:ext cx="1739735" cy="369332"/>
-          </a:xfrm>
-          <a:prstGeom prst="rect">
-            <a:avLst/>
-          </a:prstGeom>
-          <a:noFill/>
-          <a:ln>
-            <a:solidFill>
-              <a:srgbClr val="FFC000"/>
-            </a:solidFill>
-          </a:ln>
-        </p:spPr>
-        <p:txBody>
-          <a:bodyPr wrap="square" rtlCol="0">
-            <a:spAutoFit/>
-          </a:bodyPr>
-          <a:lstStyle/>
-          <a:p>
-            <a:r>
-              <a:rPr lang="en-US" dirty="0"/>
-              <a:t>Data\thetaX.csv</a:t>
-            </a:r>
           </a:p>
         </p:txBody>
       </p:sp>
@@ -3941,7 +3861,7 @@
         </p:nvCxnSpPr>
         <p:spPr>
           <a:xfrm>
-            <a:off x="1029776" y="3014816"/>
+            <a:off x="977625" y="4346110"/>
             <a:ext cx="457197" cy="5598"/>
           </a:xfrm>
           <a:prstGeom prst="straightConnector1">
@@ -4071,7 +3991,7 @@
         <p:spPr>
           <a:xfrm flipH="1" flipV="1">
             <a:off x="1027325" y="1414077"/>
-            <a:ext cx="1215218" cy="1421671"/>
+            <a:ext cx="1163067" cy="2752965"/>
           </a:xfrm>
           <a:prstGeom prst="straightConnector1">
             <a:avLst/>
@@ -4648,7 +4568,7 @@
         </p:nvSpPr>
         <p:spPr>
           <a:xfrm>
-            <a:off x="8375315" y="498536"/>
+            <a:off x="8242716" y="1532268"/>
             <a:ext cx="1582501" cy="369332"/>
           </a:xfrm>
           <a:prstGeom prst="rect">
@@ -4698,8 +4618,8 @@
         </p:nvCxnSpPr>
         <p:spPr>
           <a:xfrm flipV="1">
-            <a:off x="3016397" y="683202"/>
-            <a:ext cx="5358918" cy="2866590"/>
+            <a:off x="3016397" y="1716934"/>
+            <a:ext cx="5226319" cy="1832858"/>
           </a:xfrm>
           <a:prstGeom prst="straightConnector1">
             <a:avLst/>
@@ -4740,9 +4660,9 @@
           <p:nvPr/>
         </p:nvCxnSpPr>
         <p:spPr>
-          <a:xfrm>
-            <a:off x="8004798" y="498536"/>
-            <a:ext cx="370517" cy="184666"/>
+          <a:xfrm flipV="1">
+            <a:off x="7872199" y="1716934"/>
+            <a:ext cx="370517" cy="464558"/>
           </a:xfrm>
           <a:prstGeom prst="straightConnector1">
             <a:avLst/>
@@ -4780,7 +4700,7 @@
         </p:nvSpPr>
         <p:spPr>
           <a:xfrm>
-            <a:off x="10333954" y="360036"/>
+            <a:off x="10201355" y="1393768"/>
             <a:ext cx="1416086" cy="646331"/>
           </a:xfrm>
           <a:prstGeom prst="rect">
@@ -4829,7 +4749,7 @@
         </p:nvCxnSpPr>
         <p:spPr>
           <a:xfrm>
-            <a:off x="9957816" y="683202"/>
+            <a:off x="9825217" y="1716934"/>
             <a:ext cx="376138" cy="0"/>
           </a:xfrm>
           <a:prstGeom prst="straightConnector1">
@@ -4868,7 +4788,7 @@
         </p:nvSpPr>
         <p:spPr>
           <a:xfrm>
-            <a:off x="6034668" y="881547"/>
+            <a:off x="5956282" y="688671"/>
             <a:ext cx="1770516" cy="369332"/>
           </a:xfrm>
           <a:prstGeom prst="rect">
@@ -4910,7 +4830,7 @@
         </p:nvSpPr>
         <p:spPr>
           <a:xfrm>
-            <a:off x="6034668" y="1449224"/>
+            <a:off x="5956282" y="37630"/>
             <a:ext cx="1770516" cy="369332"/>
           </a:xfrm>
           <a:prstGeom prst="rect">
@@ -4952,7 +4872,7 @@
         </p:nvSpPr>
         <p:spPr>
           <a:xfrm>
-            <a:off x="1486973" y="2835748"/>
+            <a:off x="1434822" y="4167042"/>
             <a:ext cx="1511139" cy="369332"/>
           </a:xfrm>
           <a:prstGeom prst="rect">
@@ -5071,10 +4991,10 @@
       </p:sp>
       <p:sp>
         <p:nvSpPr>
-          <p:cNvPr id="63" name="TextBox 62">
-            <a:extLst>
-              <a:ext uri="{FF2B5EF4-FFF2-40B4-BE49-F238E27FC236}">
-                <a16:creationId xmlns:a16="http://schemas.microsoft.com/office/drawing/2014/main" id="{C9D9A3C5-7CA8-4904-8457-AE9BA3C9B7E4}"/>
+          <p:cNvPr id="43" name="TextBox 42">
+            <a:extLst>
+              <a:ext uri="{FF2B5EF4-FFF2-40B4-BE49-F238E27FC236}">
+                <a16:creationId xmlns:a16="http://schemas.microsoft.com/office/drawing/2014/main" id="{69EDA5F4-0DBB-4105-8EBD-5397C64A164D}"/>
               </a:ext>
             </a:extLst>
           </p:cNvPr>
@@ -5083,8 +5003,8 @@
         </p:nvSpPr>
         <p:spPr>
           <a:xfrm>
-            <a:off x="3523116" y="2670589"/>
-            <a:ext cx="2141034" cy="369332"/>
+            <a:off x="8242716" y="2220684"/>
+            <a:ext cx="1582501" cy="369332"/>
           </a:xfrm>
           <a:prstGeom prst="rect">
             <a:avLst/>
@@ -5105,8 +5025,838 @@
           <a:lstStyle/>
           <a:p>
             <a:r>
+              <a:rPr lang="en-US" dirty="0" err="1"/>
+              <a:t>boxplotX.R</a:t>
+            </a:r>
+            <a:endParaRPr lang="en-US" dirty="0"/>
+          </a:p>
+        </p:txBody>
+      </p:sp>
+      <p:sp>
+        <p:nvSpPr>
+          <p:cNvPr id="44" name="TextBox 43">
+            <a:extLst>
+              <a:ext uri="{FF2B5EF4-FFF2-40B4-BE49-F238E27FC236}">
+                <a16:creationId xmlns:a16="http://schemas.microsoft.com/office/drawing/2014/main" id="{A94CBA46-1443-4A67-A001-DAFA3AB35943}"/>
+              </a:ext>
+            </a:extLst>
+          </p:cNvPr>
+          <p:cNvSpPr txBox="1"/>
+          <p:nvPr/>
+        </p:nvSpPr>
+        <p:spPr>
+          <a:xfrm>
+            <a:off x="10201355" y="2220684"/>
+            <a:ext cx="1416086" cy="369332"/>
+          </a:xfrm>
+          <a:prstGeom prst="rect">
+            <a:avLst/>
+          </a:prstGeom>
+          <a:solidFill>
+            <a:schemeClr val="accent2">
+              <a:lumMod val="20000"/>
+              <a:lumOff val="80000"/>
+            </a:schemeClr>
+          </a:solidFill>
+          <a:ln>
+            <a:solidFill>
+              <a:srgbClr val="FF0000"/>
+            </a:solidFill>
+          </a:ln>
+        </p:spPr>
+        <p:txBody>
+          <a:bodyPr wrap="square" rtlCol="0">
+            <a:spAutoFit/>
+          </a:bodyPr>
+          <a:lstStyle/>
+          <a:p>
+            <a:r>
+              <a:rPr lang="en-US" dirty="0"/>
+              <a:t>boxplotX.png</a:t>
+            </a:r>
+          </a:p>
+        </p:txBody>
+      </p:sp>
+      <p:cxnSp>
+        <p:nvCxnSpPr>
+          <p:cNvPr id="46" name="Straight Arrow Connector 45">
+            <a:extLst>
+              <a:ext uri="{FF2B5EF4-FFF2-40B4-BE49-F238E27FC236}">
+                <a16:creationId xmlns:a16="http://schemas.microsoft.com/office/drawing/2014/main" id="{1A42BB9E-F14B-4C1E-B523-DE84B66D9B54}"/>
+              </a:ext>
+            </a:extLst>
+          </p:cNvPr>
+          <p:cNvCxnSpPr>
+            <a:cxnSpLocks/>
+            <a:stCxn id="6" idx="3"/>
+            <a:endCxn id="43" idx="1"/>
+          </p:cNvCxnSpPr>
+          <p:nvPr/>
+        </p:nvCxnSpPr>
+        <p:spPr>
+          <a:xfrm>
+            <a:off x="7872199" y="2181492"/>
+            <a:ext cx="370517" cy="223858"/>
+          </a:xfrm>
+          <a:prstGeom prst="straightConnector1">
+            <a:avLst/>
+          </a:prstGeom>
+          <a:ln>
+            <a:tailEnd type="triangle"/>
+          </a:ln>
+        </p:spPr>
+        <p:style>
+          <a:lnRef idx="1">
+            <a:schemeClr val="accent1"/>
+          </a:lnRef>
+          <a:fillRef idx="0">
+            <a:schemeClr val="accent1"/>
+          </a:fillRef>
+          <a:effectRef idx="0">
+            <a:schemeClr val="accent1"/>
+          </a:effectRef>
+          <a:fontRef idx="minor">
+            <a:schemeClr val="tx1"/>
+          </a:fontRef>
+        </p:style>
+      </p:cxnSp>
+      <p:cxnSp>
+        <p:nvCxnSpPr>
+          <p:cNvPr id="49" name="Straight Arrow Connector 48">
+            <a:extLst>
+              <a:ext uri="{FF2B5EF4-FFF2-40B4-BE49-F238E27FC236}">
+                <a16:creationId xmlns:a16="http://schemas.microsoft.com/office/drawing/2014/main" id="{65CF9C20-EDE9-4635-9015-4E9193304285}"/>
+              </a:ext>
+            </a:extLst>
+          </p:cNvPr>
+          <p:cNvCxnSpPr>
+            <a:cxnSpLocks/>
+            <a:stCxn id="43" idx="3"/>
+            <a:endCxn id="44" idx="1"/>
+          </p:cNvCxnSpPr>
+          <p:nvPr/>
+        </p:nvCxnSpPr>
+        <p:spPr>
+          <a:xfrm>
+            <a:off x="9825217" y="2405350"/>
+            <a:ext cx="376138" cy="0"/>
+          </a:xfrm>
+          <a:prstGeom prst="straightConnector1">
+            <a:avLst/>
+          </a:prstGeom>
+          <a:ln>
+            <a:tailEnd type="triangle"/>
+          </a:ln>
+        </p:spPr>
+        <p:style>
+          <a:lnRef idx="1">
+            <a:schemeClr val="accent1"/>
+          </a:lnRef>
+          <a:fillRef idx="0">
+            <a:schemeClr val="accent1"/>
+          </a:fillRef>
+          <a:effectRef idx="0">
+            <a:schemeClr val="accent1"/>
+          </a:effectRef>
+          <a:fontRef idx="minor">
+            <a:schemeClr val="tx1"/>
+          </a:fontRef>
+        </p:style>
+      </p:cxnSp>
+      <p:sp>
+        <p:nvSpPr>
+          <p:cNvPr id="51" name="TextBox 50">
+            <a:extLst>
+              <a:ext uri="{FF2B5EF4-FFF2-40B4-BE49-F238E27FC236}">
+                <a16:creationId xmlns:a16="http://schemas.microsoft.com/office/drawing/2014/main" id="{AC8A6C00-A79C-44E2-B1D6-FB395B986B66}"/>
+              </a:ext>
+            </a:extLst>
+          </p:cNvPr>
+          <p:cNvSpPr txBox="1"/>
+          <p:nvPr/>
+        </p:nvSpPr>
+        <p:spPr>
+          <a:xfrm>
+            <a:off x="8043102" y="200188"/>
+            <a:ext cx="1770516" cy="369332"/>
+          </a:xfrm>
+          <a:prstGeom prst="rect">
+            <a:avLst/>
+          </a:prstGeom>
+          <a:solidFill>
+            <a:schemeClr val="bg2"/>
+          </a:solidFill>
+          <a:ln>
+            <a:solidFill>
+              <a:schemeClr val="tx1"/>
+            </a:solidFill>
+          </a:ln>
+        </p:spPr>
+        <p:txBody>
+          <a:bodyPr wrap="square" rtlCol="0">
+            <a:spAutoFit/>
+          </a:bodyPr>
+          <a:lstStyle/>
+          <a:p>
+            <a:r>
+              <a:rPr lang="en-US" dirty="0" err="1"/>
+              <a:t>convergenceX.R</a:t>
+            </a:r>
+            <a:endParaRPr lang="en-US" dirty="0"/>
+          </a:p>
+        </p:txBody>
+      </p:sp>
+      <p:cxnSp>
+        <p:nvCxnSpPr>
+          <p:cNvPr id="17" name="Straight Arrow Connector 16">
+            <a:extLst>
+              <a:ext uri="{FF2B5EF4-FFF2-40B4-BE49-F238E27FC236}">
+                <a16:creationId xmlns:a16="http://schemas.microsoft.com/office/drawing/2014/main" id="{0C20C344-BEEB-4534-9232-4021ADC1BA34}"/>
+              </a:ext>
+            </a:extLst>
+          </p:cNvPr>
+          <p:cNvCxnSpPr>
+            <a:stCxn id="8" idx="3"/>
+            <a:endCxn id="51" idx="1"/>
+          </p:cNvCxnSpPr>
+          <p:nvPr/>
+        </p:nvCxnSpPr>
+        <p:spPr>
+          <a:xfrm>
+            <a:off x="7726798" y="222296"/>
+            <a:ext cx="316304" cy="162558"/>
+          </a:xfrm>
+          <a:prstGeom prst="straightConnector1">
+            <a:avLst/>
+          </a:prstGeom>
+          <a:ln>
+            <a:tailEnd type="triangle"/>
+          </a:ln>
+        </p:spPr>
+        <p:style>
+          <a:lnRef idx="1">
+            <a:schemeClr val="accent1"/>
+          </a:lnRef>
+          <a:fillRef idx="0">
+            <a:schemeClr val="accent1"/>
+          </a:fillRef>
+          <a:effectRef idx="0">
+            <a:schemeClr val="accent1"/>
+          </a:effectRef>
+          <a:fontRef idx="minor">
+            <a:schemeClr val="tx1"/>
+          </a:fontRef>
+        </p:style>
+      </p:cxnSp>
+      <p:sp>
+        <p:nvSpPr>
+          <p:cNvPr id="54" name="TextBox 53">
+            <a:extLst>
+              <a:ext uri="{FF2B5EF4-FFF2-40B4-BE49-F238E27FC236}">
+                <a16:creationId xmlns:a16="http://schemas.microsoft.com/office/drawing/2014/main" id="{B769162F-8E7D-4983-9859-CBA3B8FF65E4}"/>
+              </a:ext>
+            </a:extLst>
+          </p:cNvPr>
+          <p:cNvSpPr txBox="1"/>
+          <p:nvPr/>
+        </p:nvSpPr>
+        <p:spPr>
+          <a:xfrm>
+            <a:off x="10170713" y="215023"/>
+            <a:ext cx="1970064" cy="369332"/>
+          </a:xfrm>
+          <a:prstGeom prst="rect">
+            <a:avLst/>
+          </a:prstGeom>
+          <a:solidFill>
+            <a:schemeClr val="accent2">
+              <a:lumMod val="20000"/>
+              <a:lumOff val="80000"/>
+            </a:schemeClr>
+          </a:solidFill>
+          <a:ln>
+            <a:solidFill>
+              <a:srgbClr val="FF0000"/>
+            </a:solidFill>
+          </a:ln>
+        </p:spPr>
+        <p:txBody>
+          <a:bodyPr wrap="square" rtlCol="0">
+            <a:spAutoFit/>
+          </a:bodyPr>
+          <a:lstStyle/>
+          <a:p>
+            <a:r>
+              <a:rPr lang="en-US" dirty="0"/>
+              <a:t>convergenceX.png</a:t>
+            </a:r>
+          </a:p>
+        </p:txBody>
+      </p:sp>
+      <p:cxnSp>
+        <p:nvCxnSpPr>
+          <p:cNvPr id="58" name="Straight Arrow Connector 57">
+            <a:extLst>
+              <a:ext uri="{FF2B5EF4-FFF2-40B4-BE49-F238E27FC236}">
+                <a16:creationId xmlns:a16="http://schemas.microsoft.com/office/drawing/2014/main" id="{692B86BE-673A-47E6-A67A-8505777B72FC}"/>
+              </a:ext>
+            </a:extLst>
+          </p:cNvPr>
+          <p:cNvCxnSpPr>
+            <a:cxnSpLocks/>
+            <a:stCxn id="51" idx="3"/>
+            <a:endCxn id="54" idx="1"/>
+          </p:cNvCxnSpPr>
+          <p:nvPr/>
+        </p:nvCxnSpPr>
+        <p:spPr>
+          <a:xfrm>
+            <a:off x="9813618" y="384854"/>
+            <a:ext cx="357095" cy="14835"/>
+          </a:xfrm>
+          <a:prstGeom prst="straightConnector1">
+            <a:avLst/>
+          </a:prstGeom>
+          <a:ln>
+            <a:tailEnd type="triangle"/>
+          </a:ln>
+        </p:spPr>
+        <p:style>
+          <a:lnRef idx="1">
+            <a:schemeClr val="accent1"/>
+          </a:lnRef>
+          <a:fillRef idx="0">
+            <a:schemeClr val="accent1"/>
+          </a:fillRef>
+          <a:effectRef idx="0">
+            <a:schemeClr val="accent1"/>
+          </a:effectRef>
+          <a:fontRef idx="minor">
+            <a:schemeClr val="tx1"/>
+          </a:fontRef>
+        </p:style>
+      </p:cxnSp>
+      <p:sp>
+        <p:nvSpPr>
+          <p:cNvPr id="65" name="TextBox 64">
+            <a:extLst>
+              <a:ext uri="{FF2B5EF4-FFF2-40B4-BE49-F238E27FC236}">
+                <a16:creationId xmlns:a16="http://schemas.microsoft.com/office/drawing/2014/main" id="{4294E8D6-85AF-4D4A-8068-2B217D2C13BC}"/>
+              </a:ext>
+            </a:extLst>
+          </p:cNvPr>
+          <p:cNvSpPr txBox="1"/>
+          <p:nvPr/>
+        </p:nvSpPr>
+        <p:spPr>
+          <a:xfrm>
+            <a:off x="1260169" y="5128266"/>
+            <a:ext cx="1860443" cy="369332"/>
+          </a:xfrm>
+          <a:prstGeom prst="rect">
+            <a:avLst/>
+          </a:prstGeom>
+          <a:solidFill>
+            <a:schemeClr val="bg2"/>
+          </a:solidFill>
+          <a:ln>
+            <a:solidFill>
+              <a:schemeClr val="tx1"/>
+            </a:solidFill>
+          </a:ln>
+        </p:spPr>
+        <p:txBody>
+          <a:bodyPr wrap="square" rtlCol="0">
+            <a:spAutoFit/>
+          </a:bodyPr>
+          <a:lstStyle/>
+          <a:p>
+            <a:r>
+              <a:rPr lang="en-US" dirty="0"/>
+              <a:t>Phi </a:t>
+            </a:r>
+            <a:r>
+              <a:rPr lang="en-US" dirty="0" err="1"/>
+              <a:t>comparison.R</a:t>
+            </a:r>
+            <a:endParaRPr lang="en-US" dirty="0"/>
+          </a:p>
+        </p:txBody>
+      </p:sp>
+      <p:cxnSp>
+        <p:nvCxnSpPr>
+          <p:cNvPr id="66" name="Straight Arrow Connector 65">
+            <a:extLst>
+              <a:ext uri="{FF2B5EF4-FFF2-40B4-BE49-F238E27FC236}">
+                <a16:creationId xmlns:a16="http://schemas.microsoft.com/office/drawing/2014/main" id="{EC6D5B8C-1664-42D8-B1C9-DF86EA99C645}"/>
+              </a:ext>
+            </a:extLst>
+          </p:cNvPr>
+          <p:cNvCxnSpPr>
+            <a:cxnSpLocks/>
+            <a:stCxn id="33" idx="2"/>
+            <a:endCxn id="65" idx="0"/>
+          </p:cNvCxnSpPr>
+          <p:nvPr/>
+        </p:nvCxnSpPr>
+        <p:spPr>
+          <a:xfrm flipH="1">
+            <a:off x="2190391" y="4536374"/>
+            <a:ext cx="1" cy="591892"/>
+          </a:xfrm>
+          <a:prstGeom prst="straightConnector1">
+            <a:avLst/>
+          </a:prstGeom>
+          <a:ln>
+            <a:tailEnd type="triangle"/>
+          </a:ln>
+        </p:spPr>
+        <p:style>
+          <a:lnRef idx="1">
+            <a:schemeClr val="accent1"/>
+          </a:lnRef>
+          <a:fillRef idx="0">
+            <a:schemeClr val="accent1"/>
+          </a:fillRef>
+          <a:effectRef idx="0">
+            <a:schemeClr val="accent1"/>
+          </a:effectRef>
+          <a:fontRef idx="minor">
+            <a:schemeClr val="tx1"/>
+          </a:fontRef>
+        </p:style>
+      </p:cxnSp>
+      <p:sp>
+        <p:nvSpPr>
+          <p:cNvPr id="72" name="TextBox 71">
+            <a:extLst>
+              <a:ext uri="{FF2B5EF4-FFF2-40B4-BE49-F238E27FC236}">
+                <a16:creationId xmlns:a16="http://schemas.microsoft.com/office/drawing/2014/main" id="{1582705D-68ED-4FD2-AA05-D286231C2F2F}"/>
+              </a:ext>
+            </a:extLst>
+          </p:cNvPr>
+          <p:cNvSpPr txBox="1"/>
+          <p:nvPr/>
+        </p:nvSpPr>
+        <p:spPr>
+          <a:xfrm>
+            <a:off x="3461783" y="5128266"/>
+            <a:ext cx="2233139" cy="369332"/>
+          </a:xfrm>
+          <a:prstGeom prst="rect">
+            <a:avLst/>
+          </a:prstGeom>
+          <a:solidFill>
+            <a:schemeClr val="accent2">
+              <a:lumMod val="20000"/>
+              <a:lumOff val="80000"/>
+            </a:schemeClr>
+          </a:solidFill>
+          <a:ln>
+            <a:solidFill>
+              <a:srgbClr val="FF0000"/>
+            </a:solidFill>
+          </a:ln>
+        </p:spPr>
+        <p:txBody>
+          <a:bodyPr wrap="square" rtlCol="0">
+            <a:spAutoFit/>
+          </a:bodyPr>
+          <a:lstStyle/>
+          <a:p>
+            <a:r>
+              <a:rPr lang="en-US" dirty="0"/>
+              <a:t>Phi comparisonX.jpeg</a:t>
+            </a:r>
+          </a:p>
+        </p:txBody>
+      </p:sp>
+      <p:cxnSp>
+        <p:nvCxnSpPr>
+          <p:cNvPr id="73" name="Straight Arrow Connector 72">
+            <a:extLst>
+              <a:ext uri="{FF2B5EF4-FFF2-40B4-BE49-F238E27FC236}">
+                <a16:creationId xmlns:a16="http://schemas.microsoft.com/office/drawing/2014/main" id="{EFE1284F-232B-4ED2-BB9D-34DA097D32B0}"/>
+              </a:ext>
+            </a:extLst>
+          </p:cNvPr>
+          <p:cNvCxnSpPr>
+            <a:cxnSpLocks/>
+            <a:stCxn id="65" idx="3"/>
+            <a:endCxn id="72" idx="1"/>
+          </p:cNvCxnSpPr>
+          <p:nvPr/>
+        </p:nvCxnSpPr>
+        <p:spPr>
+          <a:xfrm>
+            <a:off x="3120612" y="5312932"/>
+            <a:ext cx="341171" cy="0"/>
+          </a:xfrm>
+          <a:prstGeom prst="straightConnector1">
+            <a:avLst/>
+          </a:prstGeom>
+          <a:ln>
+            <a:tailEnd type="triangle"/>
+          </a:ln>
+        </p:spPr>
+        <p:style>
+          <a:lnRef idx="1">
+            <a:schemeClr val="accent1"/>
+          </a:lnRef>
+          <a:fillRef idx="0">
+            <a:schemeClr val="accent1"/>
+          </a:fillRef>
+          <a:effectRef idx="0">
+            <a:schemeClr val="accent1"/>
+          </a:effectRef>
+          <a:fontRef idx="minor">
+            <a:schemeClr val="tx1"/>
+          </a:fontRef>
+        </p:style>
+      </p:cxnSp>
+      <p:sp>
+        <p:nvSpPr>
+          <p:cNvPr id="25" name="TextBox 24">
+            <a:extLst>
+              <a:ext uri="{FF2B5EF4-FFF2-40B4-BE49-F238E27FC236}">
+                <a16:creationId xmlns:a16="http://schemas.microsoft.com/office/drawing/2014/main" id="{572BA8B8-10A0-4D13-9E24-F6020C5C0C24}"/>
+              </a:ext>
+            </a:extLst>
+          </p:cNvPr>
+          <p:cNvSpPr txBox="1"/>
+          <p:nvPr/>
+        </p:nvSpPr>
+        <p:spPr>
+          <a:xfrm>
+            <a:off x="1276662" y="3365126"/>
+            <a:ext cx="1739735" cy="369332"/>
+          </a:xfrm>
+          <a:prstGeom prst="rect">
+            <a:avLst/>
+          </a:prstGeom>
+          <a:solidFill>
+            <a:schemeClr val="bg1"/>
+          </a:solidFill>
+          <a:ln>
+            <a:solidFill>
+              <a:srgbClr val="FFC000"/>
+            </a:solidFill>
+          </a:ln>
+        </p:spPr>
+        <p:txBody>
+          <a:bodyPr wrap="square" rtlCol="0">
+            <a:spAutoFit/>
+          </a:bodyPr>
+          <a:lstStyle/>
+          <a:p>
+            <a:r>
+              <a:rPr lang="en-US" dirty="0"/>
+              <a:t>Data\thetaX.csv</a:t>
+            </a:r>
+          </a:p>
+        </p:txBody>
+      </p:sp>
+      <p:sp>
+        <p:nvSpPr>
+          <p:cNvPr id="87" name="TextBox 86">
+            <a:extLst>
+              <a:ext uri="{FF2B5EF4-FFF2-40B4-BE49-F238E27FC236}">
+                <a16:creationId xmlns:a16="http://schemas.microsoft.com/office/drawing/2014/main" id="{03AEFCB7-FE02-4A04-A588-F6574111FBE4}"/>
+              </a:ext>
+            </a:extLst>
+          </p:cNvPr>
+          <p:cNvSpPr txBox="1"/>
+          <p:nvPr/>
+        </p:nvSpPr>
+        <p:spPr>
+          <a:xfrm>
+            <a:off x="8231117" y="660665"/>
+            <a:ext cx="1582501" cy="646331"/>
+          </a:xfrm>
+          <a:prstGeom prst="rect">
+            <a:avLst/>
+          </a:prstGeom>
+          <a:solidFill>
+            <a:schemeClr val="bg2"/>
+          </a:solidFill>
+          <a:ln>
+            <a:solidFill>
+              <a:schemeClr val="tx1"/>
+            </a:solidFill>
+          </a:ln>
+        </p:spPr>
+        <p:txBody>
+          <a:bodyPr wrap="square" rtlCol="0">
+            <a:spAutoFit/>
+          </a:bodyPr>
+          <a:lstStyle/>
+          <a:p>
+            <a:r>
+              <a:rPr lang="en-US" dirty="0"/>
+              <a:t>Scatterplot </a:t>
+            </a:r>
+            <a:r>
+              <a:rPr lang="en-US" dirty="0" err="1"/>
+              <a:t>phi.R</a:t>
+            </a:r>
+            <a:endParaRPr lang="en-US" dirty="0"/>
+          </a:p>
+        </p:txBody>
+      </p:sp>
+      <p:cxnSp>
+        <p:nvCxnSpPr>
+          <p:cNvPr id="88" name="Straight Arrow Connector 87">
+            <a:extLst>
+              <a:ext uri="{FF2B5EF4-FFF2-40B4-BE49-F238E27FC236}">
+                <a16:creationId xmlns:a16="http://schemas.microsoft.com/office/drawing/2014/main" id="{2E85E599-7E2B-4C28-B289-274DED4615C2}"/>
+              </a:ext>
+            </a:extLst>
+          </p:cNvPr>
+          <p:cNvCxnSpPr>
+            <a:cxnSpLocks/>
+            <a:stCxn id="7" idx="3"/>
+            <a:endCxn id="87" idx="1"/>
+          </p:cNvCxnSpPr>
+          <p:nvPr/>
+        </p:nvCxnSpPr>
+        <p:spPr>
+          <a:xfrm>
+            <a:off x="7726798" y="873337"/>
+            <a:ext cx="504319" cy="110494"/>
+          </a:xfrm>
+          <a:prstGeom prst="straightConnector1">
+            <a:avLst/>
+          </a:prstGeom>
+          <a:ln>
+            <a:tailEnd type="triangle"/>
+          </a:ln>
+        </p:spPr>
+        <p:style>
+          <a:lnRef idx="1">
+            <a:schemeClr val="accent1"/>
+          </a:lnRef>
+          <a:fillRef idx="0">
+            <a:schemeClr val="accent1"/>
+          </a:fillRef>
+          <a:effectRef idx="0">
+            <a:schemeClr val="accent1"/>
+          </a:effectRef>
+          <a:fontRef idx="minor">
+            <a:schemeClr val="tx1"/>
+          </a:fontRef>
+        </p:style>
+      </p:cxnSp>
+      <p:cxnSp>
+        <p:nvCxnSpPr>
+          <p:cNvPr id="91" name="Straight Arrow Connector 90">
+            <a:extLst>
+              <a:ext uri="{FF2B5EF4-FFF2-40B4-BE49-F238E27FC236}">
+                <a16:creationId xmlns:a16="http://schemas.microsoft.com/office/drawing/2014/main" id="{8A961BA4-6425-4F7F-B8F8-91FABCD596AC}"/>
+              </a:ext>
+            </a:extLst>
+          </p:cNvPr>
+          <p:cNvCxnSpPr>
+            <a:cxnSpLocks/>
+            <a:stCxn id="33" idx="3"/>
+            <a:endCxn id="87" idx="1"/>
+          </p:cNvCxnSpPr>
+          <p:nvPr/>
+        </p:nvCxnSpPr>
+        <p:spPr>
+          <a:xfrm flipV="1">
+            <a:off x="2945961" y="983831"/>
+            <a:ext cx="5285156" cy="3367877"/>
+          </a:xfrm>
+          <a:prstGeom prst="straightConnector1">
+            <a:avLst/>
+          </a:prstGeom>
+          <a:ln>
+            <a:tailEnd type="triangle"/>
+          </a:ln>
+        </p:spPr>
+        <p:style>
+          <a:lnRef idx="1">
+            <a:schemeClr val="accent1"/>
+          </a:lnRef>
+          <a:fillRef idx="0">
+            <a:schemeClr val="accent1"/>
+          </a:fillRef>
+          <a:effectRef idx="0">
+            <a:schemeClr val="accent1"/>
+          </a:effectRef>
+          <a:fontRef idx="minor">
+            <a:schemeClr val="tx1"/>
+          </a:fontRef>
+        </p:style>
+      </p:cxnSp>
+      <p:sp>
+        <p:nvSpPr>
+          <p:cNvPr id="94" name="TextBox 93">
+            <a:extLst>
+              <a:ext uri="{FF2B5EF4-FFF2-40B4-BE49-F238E27FC236}">
+                <a16:creationId xmlns:a16="http://schemas.microsoft.com/office/drawing/2014/main" id="{CF331070-D9CF-4D0B-B5CB-BCA58813B3E8}"/>
+              </a:ext>
+            </a:extLst>
+          </p:cNvPr>
+          <p:cNvSpPr txBox="1"/>
+          <p:nvPr/>
+        </p:nvSpPr>
+        <p:spPr>
+          <a:xfrm>
+            <a:off x="10152426" y="669433"/>
+            <a:ext cx="1970064" cy="646331"/>
+          </a:xfrm>
+          <a:prstGeom prst="rect">
+            <a:avLst/>
+          </a:prstGeom>
+          <a:solidFill>
+            <a:schemeClr val="accent2">
+              <a:lumMod val="20000"/>
+              <a:lumOff val="80000"/>
+            </a:schemeClr>
+          </a:solidFill>
+          <a:ln>
+            <a:solidFill>
+              <a:srgbClr val="FF0000"/>
+            </a:solidFill>
+          </a:ln>
+        </p:spPr>
+        <p:txBody>
+          <a:bodyPr wrap="square" rtlCol="0">
+            <a:spAutoFit/>
+          </a:bodyPr>
+          <a:lstStyle/>
+          <a:p>
+            <a:r>
+              <a:rPr lang="en-US" dirty="0"/>
+              <a:t>Scatterplot phiX.png</a:t>
+            </a:r>
+          </a:p>
+        </p:txBody>
+      </p:sp>
+      <p:cxnSp>
+        <p:nvCxnSpPr>
+          <p:cNvPr id="97" name="Straight Arrow Connector 96">
+            <a:extLst>
+              <a:ext uri="{FF2B5EF4-FFF2-40B4-BE49-F238E27FC236}">
+                <a16:creationId xmlns:a16="http://schemas.microsoft.com/office/drawing/2014/main" id="{BCB5C670-EFFE-4BD9-B235-0F06EFEA8D74}"/>
+              </a:ext>
+            </a:extLst>
+          </p:cNvPr>
+          <p:cNvCxnSpPr>
+            <a:cxnSpLocks/>
+            <a:stCxn id="87" idx="3"/>
+            <a:endCxn id="94" idx="1"/>
+          </p:cNvCxnSpPr>
+          <p:nvPr/>
+        </p:nvCxnSpPr>
+        <p:spPr>
+          <a:xfrm>
+            <a:off x="9813618" y="983831"/>
+            <a:ext cx="338808" cy="8768"/>
+          </a:xfrm>
+          <a:prstGeom prst="straightConnector1">
+            <a:avLst/>
+          </a:prstGeom>
+          <a:ln>
+            <a:tailEnd type="triangle"/>
+          </a:ln>
+        </p:spPr>
+        <p:style>
+          <a:lnRef idx="1">
+            <a:schemeClr val="accent1"/>
+          </a:lnRef>
+          <a:fillRef idx="0">
+            <a:schemeClr val="accent1"/>
+          </a:fillRef>
+          <a:effectRef idx="0">
+            <a:schemeClr val="accent1"/>
+          </a:effectRef>
+          <a:fontRef idx="minor">
+            <a:schemeClr val="tx1"/>
+          </a:fontRef>
+        </p:style>
+      </p:cxnSp>
+      <p:sp>
+        <p:nvSpPr>
+          <p:cNvPr id="63" name="TextBox 62">
+            <a:extLst>
+              <a:ext uri="{FF2B5EF4-FFF2-40B4-BE49-F238E27FC236}">
+                <a16:creationId xmlns:a16="http://schemas.microsoft.com/office/drawing/2014/main" id="{C9D9A3C5-7CA8-4904-8457-AE9BA3C9B7E4}"/>
+              </a:ext>
+            </a:extLst>
+          </p:cNvPr>
+          <p:cNvSpPr txBox="1"/>
+          <p:nvPr/>
+        </p:nvSpPr>
+        <p:spPr>
+          <a:xfrm>
+            <a:off x="3523116" y="2670589"/>
+            <a:ext cx="2141034" cy="369332"/>
+          </a:xfrm>
+          <a:prstGeom prst="rect">
+            <a:avLst/>
+          </a:prstGeom>
+          <a:solidFill>
+            <a:schemeClr val="bg2"/>
+          </a:solidFill>
+          <a:ln>
+            <a:solidFill>
+              <a:schemeClr val="tx1"/>
+            </a:solidFill>
+          </a:ln>
+        </p:spPr>
+        <p:txBody>
+          <a:bodyPr wrap="square" rtlCol="0">
+            <a:spAutoFit/>
+          </a:bodyPr>
+          <a:lstStyle/>
+          <a:p>
+            <a:r>
               <a:rPr lang="en-US" dirty="0"/>
               <a:t>Cluster analysis X.R</a:t>
+            </a:r>
+          </a:p>
+        </p:txBody>
+      </p:sp>
+      <p:sp>
+        <p:nvSpPr>
+          <p:cNvPr id="6" name="TextBox 5">
+            <a:extLst>
+              <a:ext uri="{FF2B5EF4-FFF2-40B4-BE49-F238E27FC236}">
+                <a16:creationId xmlns:a16="http://schemas.microsoft.com/office/drawing/2014/main" id="{07F3D322-E0D0-4F0E-973A-E21CEB87F1C5}"/>
+              </a:ext>
+            </a:extLst>
+          </p:cNvPr>
+          <p:cNvSpPr txBox="1"/>
+          <p:nvPr/>
+        </p:nvSpPr>
+        <p:spPr>
+          <a:xfrm>
+            <a:off x="5902068" y="1996826"/>
+            <a:ext cx="1970131" cy="369332"/>
+          </a:xfrm>
+          <a:prstGeom prst="rect">
+            <a:avLst/>
+          </a:prstGeom>
+          <a:solidFill>
+            <a:schemeClr val="bg1"/>
+          </a:solidFill>
+          <a:ln>
+            <a:solidFill>
+              <a:srgbClr val="FFC000"/>
+            </a:solidFill>
+          </a:ln>
+        </p:spPr>
+        <p:txBody>
+          <a:bodyPr wrap="square" rtlCol="0">
+            <a:spAutoFit/>
+          </a:bodyPr>
+          <a:lstStyle/>
+          <a:p>
+            <a:r>
+              <a:rPr lang="en-US" dirty="0"/>
+              <a:t>results\thetaX.csv</a:t>
             </a:r>
           </a:p>
         </p:txBody>
